--- a/Presentation.pptx
+++ b/Presentation.pptx
@@ -286,7 +286,7 @@
               <a:pPr>
                 <a:defRPr/>
               </a:pPr>
-              <a:t>2020/7/22</a:t>
+              <a:t>2020/8/20</a:t>
             </a:fld>
             <a:endParaRPr lang="zh-CN" altLang="en-US"/>
           </a:p>
@@ -4822,7 +4822,7 @@
               <a:pPr>
                 <a:defRPr/>
               </a:pPr>
-              <a:t>2020/7/22</a:t>
+              <a:t>2020/8/20</a:t>
             </a:fld>
             <a:endParaRPr lang="zh-CN" altLang="en-US" dirty="0"/>
           </a:p>
@@ -12293,13 +12293,13 @@
   <p:clrMapOvr>
     <a:masterClrMapping/>
   </p:clrMapOvr>
-  <mc:AlternateContent xmlns:mc="http://schemas.openxmlformats.org/markup-compatibility/2006">
-    <mc:Choice xmlns:p14="http://schemas.microsoft.com/office/powerpoint/2010/main" Requires="p14">
+  <mc:AlternateContent xmlns:mc="http://schemas.openxmlformats.org/markup-compatibility/2006" xmlns:p14="http://schemas.microsoft.com/office/powerpoint/2010/main">
+    <mc:Choice Requires="p14">
       <p:transition spd="slow" p14:dur="900" advTm="0">
         <p14:warp dir="in"/>
       </p:transition>
     </mc:Choice>
-    <mc:Fallback>
+    <mc:Fallback xmlns="">
       <p:transition spd="slow" advTm="0">
         <p:fade/>
       </p:transition>
@@ -12483,13 +12483,13 @@
   <p:clrMapOvr>
     <a:masterClrMapping/>
   </p:clrMapOvr>
-  <mc:AlternateContent xmlns:mc="http://schemas.openxmlformats.org/markup-compatibility/2006">
-    <mc:Choice xmlns:p14="http://schemas.microsoft.com/office/powerpoint/2010/main" Requires="p14">
+  <mc:AlternateContent xmlns:mc="http://schemas.openxmlformats.org/markup-compatibility/2006" xmlns:p14="http://schemas.microsoft.com/office/powerpoint/2010/main">
+    <mc:Choice Requires="p14">
       <p:transition spd="slow" p14:dur="900" advTm="0">
         <p14:warp dir="in"/>
       </p:transition>
     </mc:Choice>
-    <mc:Fallback>
+    <mc:Fallback xmlns="">
       <p:transition spd="slow" advTm="0">
         <p:fade/>
       </p:transition>
@@ -12673,13 +12673,13 @@
   <p:clrMapOvr>
     <a:masterClrMapping/>
   </p:clrMapOvr>
-  <mc:AlternateContent xmlns:mc="http://schemas.openxmlformats.org/markup-compatibility/2006">
-    <mc:Choice xmlns:p14="http://schemas.microsoft.com/office/powerpoint/2010/main" Requires="p14">
+  <mc:AlternateContent xmlns:mc="http://schemas.openxmlformats.org/markup-compatibility/2006" xmlns:p14="http://schemas.microsoft.com/office/powerpoint/2010/main">
+    <mc:Choice Requires="p14">
       <p:transition spd="slow" p14:dur="900" advTm="0">
         <p14:warp dir="in"/>
       </p:transition>
     </mc:Choice>
-    <mc:Fallback>
+    <mc:Fallback xmlns="">
       <p:transition spd="slow" advTm="0">
         <p:fade/>
       </p:transition>
@@ -13597,13 +13597,13 @@
   <p:clrMapOvr>
     <a:masterClrMapping/>
   </p:clrMapOvr>
-  <mc:AlternateContent xmlns:mc="http://schemas.openxmlformats.org/markup-compatibility/2006">
-    <mc:Choice xmlns:p14="http://schemas.microsoft.com/office/powerpoint/2010/main" Requires="p14">
+  <mc:AlternateContent xmlns:mc="http://schemas.openxmlformats.org/markup-compatibility/2006" xmlns:p14="http://schemas.microsoft.com/office/powerpoint/2010/main">
+    <mc:Choice Requires="p14">
       <p:transition spd="slow" p14:dur="1400" advTm="0">
         <p14:doors dir="vert"/>
       </p:transition>
     </mc:Choice>
-    <mc:Fallback>
+    <mc:Fallback xmlns="">
       <p:transition spd="slow" advTm="0">
         <p:fade/>
       </p:transition>
@@ -20581,7 +20581,7 @@
                   <a:ea typeface="微软雅黑" pitchFamily="34" charset="-122"/>
                   <a:cs typeface="Times New Roman" panose="02020603050405020304" pitchFamily="18" charset="0"/>
                 </a:rPr>
-                <a:t>Project Comparison</a:t>
+                <a:t>Benchmark Comparison</a:t>
               </a:r>
               <a:endParaRPr lang="zh-CN" altLang="en-US" sz="1500" b="1" dirty="0">
                 <a:solidFill>
